--- a/Mid Stone Presentation.pptx
+++ b/Mid Stone Presentation.pptx
@@ -9,7 +9,8 @@
     <p:sldId id="257" r:id="rId3"/>
     <p:sldId id="260" r:id="rId4"/>
     <p:sldId id="258" r:id="rId5"/>
-    <p:sldId id="259" r:id="rId6"/>
+    <p:sldId id="261" r:id="rId6"/>
+    <p:sldId id="259" r:id="rId7"/>
   </p:sldIdLst>
   <p:sldSz cx="12192000" cy="6858000"/>
   <p:notesSz cx="6858000" cy="9144000"/>
@@ -451,7 +452,7 @@
           <a:p>
             <a:fld id="{5CF90AE3-2D68-448A-9BB9-B3CA8D2D85BE}" type="datetimeFigureOut">
               <a:rPr lang="en-US" smtClean="0"/>
-              <a:t>1/23/2019</a:t>
+              <a:t>1/24/2019</a:t>
             </a:fld>
             <a:endParaRPr lang="en-US"/>
           </a:p>
@@ -1539,7 +1540,7 @@
           <a:p>
             <a:fld id="{5CF90AE3-2D68-448A-9BB9-B3CA8D2D85BE}" type="datetimeFigureOut">
               <a:rPr lang="en-US" smtClean="0"/>
-              <a:t>1/23/2019</a:t>
+              <a:t>1/24/2019</a:t>
             </a:fld>
             <a:endParaRPr lang="en-US"/>
           </a:p>
@@ -2519,7 +2520,7 @@
           <a:p>
             <a:fld id="{5CF90AE3-2D68-448A-9BB9-B3CA8D2D85BE}" type="datetimeFigureOut">
               <a:rPr lang="en-US" smtClean="0"/>
-              <a:t>1/23/2019</a:t>
+              <a:t>1/24/2019</a:t>
             </a:fld>
             <a:endParaRPr lang="en-US"/>
           </a:p>
@@ -3653,7 +3654,7 @@
           <a:p>
             <a:fld id="{5CF90AE3-2D68-448A-9BB9-B3CA8D2D85BE}" type="datetimeFigureOut">
               <a:rPr lang="en-US" smtClean="0"/>
-              <a:t>1/23/2019</a:t>
+              <a:t>1/24/2019</a:t>
             </a:fld>
             <a:endParaRPr lang="en-US"/>
           </a:p>
@@ -4686,7 +4687,7 @@
           <a:p>
             <a:fld id="{5CF90AE3-2D68-448A-9BB9-B3CA8D2D85BE}" type="datetimeFigureOut">
               <a:rPr lang="en-US" smtClean="0"/>
-              <a:t>1/23/2019</a:t>
+              <a:t>1/24/2019</a:t>
             </a:fld>
             <a:endParaRPr lang="en-US"/>
           </a:p>
@@ -5346,7 +5347,7 @@
           <a:p>
             <a:fld id="{5CF90AE3-2D68-448A-9BB9-B3CA8D2D85BE}" type="datetimeFigureOut">
               <a:rPr lang="en-US" smtClean="0"/>
-              <a:t>1/23/2019</a:t>
+              <a:t>1/24/2019</a:t>
             </a:fld>
             <a:endParaRPr lang="en-US"/>
           </a:p>
@@ -6207,7 +6208,7 @@
           <a:p>
             <a:fld id="{5CF90AE3-2D68-448A-9BB9-B3CA8D2D85BE}" type="datetimeFigureOut">
               <a:rPr lang="en-US" smtClean="0"/>
-              <a:t>1/23/2019</a:t>
+              <a:t>1/24/2019</a:t>
             </a:fld>
             <a:endParaRPr lang="en-US"/>
           </a:p>
@@ -6397,7 +6398,7 @@
           <a:p>
             <a:fld id="{5CF90AE3-2D68-448A-9BB9-B3CA8D2D85BE}" type="datetimeFigureOut">
               <a:rPr lang="en-US" smtClean="0"/>
-              <a:t>1/23/2019</a:t>
+              <a:t>1/24/2019</a:t>
             </a:fld>
             <a:endParaRPr lang="en-US"/>
           </a:p>
@@ -7369,7 +7370,7 @@
           <a:p>
             <a:fld id="{5CF90AE3-2D68-448A-9BB9-B3CA8D2D85BE}" type="datetimeFigureOut">
               <a:rPr lang="en-US" smtClean="0"/>
-              <a:t>1/23/2019</a:t>
+              <a:t>1/24/2019</a:t>
             </a:fld>
             <a:endParaRPr lang="en-US"/>
           </a:p>
@@ -7580,7 +7581,7 @@
           <a:p>
             <a:fld id="{5CF90AE3-2D68-448A-9BB9-B3CA8D2D85BE}" type="datetimeFigureOut">
               <a:rPr lang="en-US" smtClean="0"/>
-              <a:t>1/23/2019</a:t>
+              <a:t>1/24/2019</a:t>
             </a:fld>
             <a:endParaRPr lang="en-US"/>
           </a:p>
@@ -8614,7 +8615,7 @@
           <a:p>
             <a:fld id="{5CF90AE3-2D68-448A-9BB9-B3CA8D2D85BE}" type="datetimeFigureOut">
               <a:rPr lang="en-US" smtClean="0"/>
-              <a:t>1/23/2019</a:t>
+              <a:t>1/24/2019</a:t>
             </a:fld>
             <a:endParaRPr lang="en-US"/>
           </a:p>
@@ -8886,7 +8887,7 @@
           <a:p>
             <a:fld id="{5CF90AE3-2D68-448A-9BB9-B3CA8D2D85BE}" type="datetimeFigureOut">
               <a:rPr lang="en-US" smtClean="0"/>
-              <a:t>1/23/2019</a:t>
+              <a:t>1/24/2019</a:t>
             </a:fld>
             <a:endParaRPr lang="en-US"/>
           </a:p>
@@ -9296,7 +9297,7 @@
           <a:p>
             <a:fld id="{5CF90AE3-2D68-448A-9BB9-B3CA8D2D85BE}" type="datetimeFigureOut">
               <a:rPr lang="en-US" smtClean="0"/>
-              <a:t>1/23/2019</a:t>
+              <a:t>1/24/2019</a:t>
             </a:fld>
             <a:endParaRPr lang="en-US"/>
           </a:p>
@@ -9423,7 +9424,7 @@
           <a:p>
             <a:fld id="{5CF90AE3-2D68-448A-9BB9-B3CA8D2D85BE}" type="datetimeFigureOut">
               <a:rPr lang="en-US" smtClean="0"/>
-              <a:t>1/23/2019</a:t>
+              <a:t>1/24/2019</a:t>
             </a:fld>
             <a:endParaRPr lang="en-US"/>
           </a:p>
@@ -9518,7 +9519,7 @@
           <a:p>
             <a:fld id="{5CF90AE3-2D68-448A-9BB9-B3CA8D2D85BE}" type="datetimeFigureOut">
               <a:rPr lang="en-US" smtClean="0"/>
-              <a:t>1/23/2019</a:t>
+              <a:t>1/24/2019</a:t>
             </a:fld>
             <a:endParaRPr lang="en-US"/>
           </a:p>
@@ -10599,7 +10600,7 @@
           <a:p>
             <a:fld id="{5CF90AE3-2D68-448A-9BB9-B3CA8D2D85BE}" type="datetimeFigureOut">
               <a:rPr lang="en-US" smtClean="0"/>
-              <a:t>1/23/2019</a:t>
+              <a:t>1/24/2019</a:t>
             </a:fld>
             <a:endParaRPr lang="en-US"/>
           </a:p>
@@ -11707,7 +11708,7 @@
           <a:p>
             <a:fld id="{5CF90AE3-2D68-448A-9BB9-B3CA8D2D85BE}" type="datetimeFigureOut">
               <a:rPr lang="en-US" smtClean="0"/>
-              <a:t>1/23/2019</a:t>
+              <a:t>1/24/2019</a:t>
             </a:fld>
             <a:endParaRPr lang="en-US"/>
           </a:p>
@@ -12704,7 +12705,7 @@
           <a:p>
             <a:fld id="{5CF90AE3-2D68-448A-9BB9-B3CA8D2D85BE}" type="datetimeFigureOut">
               <a:rPr lang="en-US" smtClean="0"/>
-              <a:t>1/23/2019</a:t>
+              <a:t>1/24/2019</a:t>
             </a:fld>
             <a:endParaRPr lang="en-US"/>
           </a:p>
@@ -13330,7 +13331,7 @@
                   <a:schemeClr val="bg1"/>
                 </a:solidFill>
               </a:rPr>
-              <a:t>Why USA Has the Highest National Health Expenditure in the world? </a:t>
+              <a:t>Why USA Has the Highest National Health Spending in the world? </a:t>
             </a:r>
           </a:p>
         </p:txBody>
@@ -13450,14 +13451,19 @@
             <p:ph type="title"/>
           </p:nvPr>
         </p:nvSpPr>
-        <p:spPr/>
+        <p:spPr>
+          <a:xfrm>
+            <a:off x="1154954" y="973667"/>
+            <a:ext cx="10057689" cy="960063"/>
+          </a:xfrm>
+        </p:spPr>
         <p:txBody>
           <a:bodyPr/>
           <a:lstStyle/>
           <a:p>
             <a:r>
-              <a:rPr lang="en-US" b="1" dirty="0"/>
-              <a:t>Overview of USA Health Spending </a:t>
+              <a:rPr lang="en-US" sz="3000" b="1" dirty="0"/>
+              <a:t>Overview of USA Health Policy and  Health Spending </a:t>
             </a:r>
           </a:p>
         </p:txBody>
@@ -13480,50 +13486,64 @@
         </p:nvSpPr>
         <p:spPr>
           <a:xfrm>
-            <a:off x="254833" y="2248525"/>
-            <a:ext cx="11632367" cy="4482059"/>
+            <a:off x="690259" y="2413415"/>
+            <a:ext cx="10237571" cy="4062336"/>
           </a:xfrm>
         </p:spPr>
         <p:txBody>
           <a:bodyPr>
-            <a:normAutofit/>
+            <a:noAutofit/>
           </a:bodyPr>
           <a:lstStyle/>
           <a:p>
+            <a:pPr>
+              <a:lnSpc>
+                <a:spcPct val="150000"/>
+              </a:lnSpc>
+            </a:pPr>
             <a:r>
               <a:rPr lang="en-US" dirty="0"/>
-              <a:t>President  TRUMAN Proposed a National Health Insurance Plan in 1945, but it was lobbied against by AMA and other groups. That is the diverging point for USA Health Spending from the rest of the world.</a:t>
+              <a:t>President  TRUMAN Proposed a National Health Insurance Plan in 1945, but it was lobbied against by AMA and other groups.</a:t>
             </a:r>
           </a:p>
           <a:p>
+            <a:pPr>
+              <a:lnSpc>
+                <a:spcPct val="150000"/>
+              </a:lnSpc>
+            </a:pPr>
             <a:r>
               <a:rPr lang="en-US" dirty="0"/>
-              <a:t>20 years later for the first time in 1965 USA passed a bill to establish Medicare and Medicaid.  President Truman received the first Medicare Card from the Hand of President  Johnson.</a:t>
+              <a:t> That is the diverging point for USA Health Spending from the rest of the world.</a:t>
             </a:r>
           </a:p>
           <a:p>
-            <a:endParaRPr lang="en-US" dirty="0"/>
-          </a:p>
-          <a:p>
+            <a:pPr>
+              <a:lnSpc>
+                <a:spcPct val="150000"/>
+              </a:lnSpc>
+            </a:pPr>
             <a:r>
               <a:rPr lang="en-US" dirty="0"/>
-              <a:t>USA Spent 17.9% of its GDP in 2017 on Health which is $3.5 trillion .</a:t>
+              <a:t>USA spent 17.9% of its GDP in 2017 on health which is $3.5 trillion .</a:t>
             </a:r>
           </a:p>
           <a:p>
-            <a:pPr marL="0" indent="0">
-              <a:buNone/>
+            <a:pPr>
+              <a:lnSpc>
+                <a:spcPct val="150000"/>
+              </a:lnSpc>
             </a:pPr>
-            <a:endParaRPr lang="en-US" dirty="0"/>
-          </a:p>
-          <a:p>
             <a:r>
               <a:rPr lang="en-US" dirty="0"/>
-              <a:t>Highest both in terms of Per Capita Spending </a:t>
+              <a:t>Highest both in terms of per capita spending </a:t>
             </a:r>
           </a:p>
           <a:p>
             <a:pPr marL="0" indent="0">
+              <a:lnSpc>
+                <a:spcPct val="150000"/>
+              </a:lnSpc>
               <a:buNone/>
             </a:pPr>
             <a:r>
@@ -13532,43 +13552,18 @@
             </a:r>
           </a:p>
           <a:p>
+            <a:pPr>
+              <a:lnSpc>
+                <a:spcPct val="150000"/>
+              </a:lnSpc>
+            </a:pPr>
             <a:r>
               <a:rPr lang="en-US" dirty="0"/>
-              <a:t> However, USA health outcomes are not the best among developed countries  in measures like :Infant Mortality, Life Expectancy and  potential life years lost.</a:t>
+              <a:t> However, USA health outcomes are not the best in measures like : Infant Mortality, Life Expectancy and  potential life years lost.</a:t>
             </a:r>
           </a:p>
         </p:txBody>
       </p:sp>
-      <p:pic>
-        <p:nvPicPr>
-          <p:cNvPr id="4" name="Picture 3">
-            <a:extLst>
-              <a:ext uri="{FF2B5EF4-FFF2-40B4-BE49-F238E27FC236}">
-                <a16:creationId xmlns:a16="http://schemas.microsoft.com/office/drawing/2014/main" id="{5D2AF5EF-7B34-4141-83F8-5C3B1D258537}"/>
-              </a:ext>
-            </a:extLst>
-          </p:cNvPr>
-          <p:cNvPicPr>
-            <a:picLocks noChangeAspect="1"/>
-          </p:cNvPicPr>
-          <p:nvPr/>
-        </p:nvPicPr>
-        <p:blipFill>
-          <a:blip r:embed="rId2"/>
-          <a:stretch>
-            <a:fillRect/>
-          </a:stretch>
-        </p:blipFill>
-        <p:spPr>
-          <a:xfrm>
-            <a:off x="8640319" y="3957403"/>
-            <a:ext cx="2876014" cy="1926929"/>
-          </a:xfrm>
-          <a:prstGeom prst="rect">
-            <a:avLst/>
-          </a:prstGeom>
-        </p:spPr>
-      </p:pic>
     </p:spTree>
     <p:extLst>
       <p:ext uri="{BB962C8B-B14F-4D97-AF65-F5344CB8AC3E}">
@@ -13819,16 +13814,16 @@
           <a:p>
             <a:r>
               <a:rPr lang="en-US" dirty="0"/>
-              <a:t>Motivation:  I Was Curious to Know What Would Explain this Outlying of USA Health Spending Among Developed Countries.</a:t>
+              <a:t>To see what would explain the high health spending in USA compared with other developed countries by using selected health indicators.</a:t>
             </a:r>
           </a:p>
           <a:p>
-            <a:pPr marL="3200400" lvl="7" indent="0">
+            <a:pPr marL="0" indent="0" algn="ctr">
               <a:buNone/>
             </a:pPr>
             <a:r>
-              <a:rPr lang="en-US" sz="2800" b="1" dirty="0"/>
-              <a:t>Hypothesis</a:t>
+              <a:rPr lang="en-US" sz="3000" b="1" dirty="0"/>
+              <a:t>Data Source </a:t>
             </a:r>
           </a:p>
           <a:p>
@@ -13837,8 +13832,21 @@
               <a:buChar char="Ø"/>
             </a:pPr>
             <a:r>
-              <a:rPr lang="en-US" dirty="0"/>
-              <a:t>  People are Consuming Healthcare Service Excessively.</a:t>
+              <a:rPr lang="en-US" sz="2000" dirty="0"/>
+              <a:t> </a:t>
+            </a:r>
+            <a:r>
+              <a:rPr lang="en-US" sz="2000" b="1" dirty="0"/>
+              <a:t>OECD Health Stats </a:t>
+            </a:r>
+          </a:p>
+          <a:p>
+            <a:pPr marL="400050" lvl="1" indent="0">
+              <a:buNone/>
+            </a:pPr>
+            <a:r>
+              <a:rPr lang="en-US" sz="1800" dirty="0"/>
+              <a:t>      Health Spending , Healthcare Resources ,Healthcare Utilization and  Healthcare  Quality.</a:t>
             </a:r>
           </a:p>
           <a:p>
@@ -13847,8 +13855,21 @@
               <a:buChar char="Ø"/>
             </a:pPr>
             <a:r>
-              <a:rPr lang="en-US" dirty="0"/>
-              <a:t>  USA Healthcare is Technology Intensive</a:t>
+              <a:rPr lang="en-US" sz="2000" b="1" dirty="0"/>
+              <a:t> Kaiser Family Foundation </a:t>
+            </a:r>
+          </a:p>
+          <a:p>
+            <a:pPr marL="400050" lvl="1" indent="0">
+              <a:buNone/>
+            </a:pPr>
+            <a:r>
+              <a:rPr lang="en-US" sz="1800" b="1" dirty="0"/>
+              <a:t>      </a:t>
+            </a:r>
+            <a:r>
+              <a:rPr lang="en-US" sz="1800" dirty="0"/>
+              <a:t>Hospital Prices data</a:t>
             </a:r>
           </a:p>
           <a:p>
@@ -13857,87 +13878,46 @@
               <a:buChar char="Ø"/>
             </a:pPr>
             <a:r>
-              <a:rPr lang="en-US" dirty="0"/>
-              <a:t>  USA Healthcare Has Best Quality</a:t>
+              <a:rPr lang="en-US" sz="2000" b="1" dirty="0"/>
+              <a:t> CMS</a:t>
             </a:r>
+          </a:p>
+          <a:p>
+            <a:pPr marL="400050" lvl="1" indent="0">
+              <a:buNone/>
+            </a:pPr>
+            <a:r>
+              <a:rPr lang="en-US" sz="1800" dirty="0"/>
+              <a:t>      Charge to Cost ratio by States data</a:t>
+            </a:r>
+          </a:p>
+          <a:p>
+            <a:pPr marL="0" indent="0">
+              <a:buNone/>
+            </a:pPr>
+            <a:endParaRPr lang="en-US" sz="2000" dirty="0"/>
+          </a:p>
+          <a:p>
+            <a:pPr marL="0" indent="0">
+              <a:buNone/>
+            </a:pPr>
+            <a:endParaRPr lang="en-US" sz="2000" dirty="0"/>
           </a:p>
           <a:p>
             <a:pPr>
               <a:buFont typeface="Wingdings" panose="05000000000000000000" pitchFamily="2" charset="2"/>
               <a:buChar char="Ø"/>
             </a:pPr>
-            <a:r>
-              <a:rPr lang="en-US" dirty="0"/>
-              <a:t>  USA Healthcare Providers are Charging High Prices</a:t>
-            </a:r>
-          </a:p>
-          <a:p>
-            <a:pPr lvl="8"/>
+            <a:endParaRPr lang="en-US" sz="2000" b="1" dirty="0"/>
+          </a:p>
+          <a:p>
+            <a:pPr marL="3657600" lvl="8" indent="0">
+              <a:buNone/>
+            </a:pPr>
+            <a:endParaRPr lang="en-US" b="1" dirty="0"/>
+          </a:p>
+          <a:p>
             <a:endParaRPr lang="en-US" dirty="0"/>
-          </a:p>
-          <a:p>
-            <a:pPr marL="0" lvl="8" indent="0">
-              <a:buNone/>
-            </a:pPr>
-            <a:r>
-              <a:rPr lang="en-US" sz="1800" dirty="0"/>
-              <a:t> Now Let’s Move to the App.</a:t>
-            </a:r>
-          </a:p>
-          <a:p>
-            <a:pPr marL="3657600" lvl="8" indent="0">
-              <a:buNone/>
-            </a:pPr>
-            <a:endParaRPr lang="en-US" dirty="0"/>
-          </a:p>
-          <a:p>
-            <a:endParaRPr lang="en-US" dirty="0"/>
-          </a:p>
-        </p:txBody>
-      </p:sp>
-      <p:sp>
-        <p:nvSpPr>
-          <p:cNvPr id="4" name="Arrow: Right 3">
-            <a:extLst>
-              <a:ext uri="{FF2B5EF4-FFF2-40B4-BE49-F238E27FC236}">
-                <a16:creationId xmlns:a16="http://schemas.microsoft.com/office/drawing/2014/main" id="{9B650CD0-F7E1-4453-AF84-48069F2C9333}"/>
-              </a:ext>
-            </a:extLst>
-          </p:cNvPr>
-          <p:cNvSpPr/>
-          <p:nvPr/>
-        </p:nvSpPr>
-        <p:spPr>
-          <a:xfrm>
-            <a:off x="4557252" y="5642016"/>
-            <a:ext cx="978408" cy="484632"/>
-          </a:xfrm>
-          <a:prstGeom prst="rightArrow">
-            <a:avLst/>
-          </a:prstGeom>
-        </p:spPr>
-        <p:style>
-          <a:lnRef idx="2">
-            <a:schemeClr val="accent1">
-              <a:shade val="50000"/>
-            </a:schemeClr>
-          </a:lnRef>
-          <a:fillRef idx="1">
-            <a:schemeClr val="accent1"/>
-          </a:fillRef>
-          <a:effectRef idx="0">
-            <a:schemeClr val="accent1"/>
-          </a:effectRef>
-          <a:fontRef idx="minor">
-            <a:schemeClr val="lt1"/>
-          </a:fontRef>
-        </p:style>
-        <p:txBody>
-          <a:bodyPr rtlCol="0" anchor="ctr"/>
-          <a:lstStyle/>
-          <a:p>
-            <a:pPr algn="ctr"/>
-            <a:endParaRPr lang="en-US"/>
           </a:p>
         </p:txBody>
       </p:sp>
@@ -13994,6 +13974,244 @@
           <a:p>
             <a:r>
               <a:rPr lang="en-US" b="1" dirty="0"/>
+              <a:t>              Research Questions</a:t>
+            </a:r>
+            <a:endParaRPr lang="en-US" dirty="0"/>
+          </a:p>
+        </p:txBody>
+      </p:sp>
+      <p:sp>
+        <p:nvSpPr>
+          <p:cNvPr id="3" name="Content Placeholder 2">
+            <a:extLst>
+              <a:ext uri="{FF2B5EF4-FFF2-40B4-BE49-F238E27FC236}">
+                <a16:creationId xmlns:a16="http://schemas.microsoft.com/office/drawing/2014/main" id="{AE580470-B877-4DC7-8101-FE0B37566BA4}"/>
+              </a:ext>
+            </a:extLst>
+          </p:cNvPr>
+          <p:cNvSpPr>
+            <a:spLocks noGrp="1"/>
+          </p:cNvSpPr>
+          <p:nvPr>
+            <p:ph idx="1"/>
+          </p:nvPr>
+        </p:nvSpPr>
+        <p:spPr>
+          <a:xfrm>
+            <a:off x="736824" y="2443397"/>
+            <a:ext cx="11210336" cy="4062333"/>
+          </a:xfrm>
+        </p:spPr>
+        <p:txBody>
+          <a:bodyPr>
+            <a:normAutofit fontScale="92500" lnSpcReduction="20000"/>
+          </a:bodyPr>
+          <a:lstStyle/>
+          <a:p>
+            <a:pPr lvl="1">
+              <a:lnSpc>
+                <a:spcPct val="170000"/>
+              </a:lnSpc>
+              <a:buFont typeface="Wingdings" panose="05000000000000000000" pitchFamily="2" charset="2"/>
+              <a:buChar char="Ø"/>
+            </a:pPr>
+            <a:r>
+              <a:rPr lang="en-US" sz="2900" dirty="0">
+                <a:latin typeface="Calibri" panose="020F0502020204030204" pitchFamily="34" charset="0"/>
+                <a:cs typeface="Calibri" panose="020F0502020204030204" pitchFamily="34" charset="0"/>
+              </a:rPr>
+              <a:t>  Are People in USA Consuming Healthcare Service Excessively?</a:t>
+            </a:r>
+          </a:p>
+          <a:p>
+            <a:pPr lvl="1">
+              <a:lnSpc>
+                <a:spcPct val="170000"/>
+              </a:lnSpc>
+              <a:buFont typeface="Wingdings" panose="05000000000000000000" pitchFamily="2" charset="2"/>
+              <a:buChar char="Ø"/>
+            </a:pPr>
+            <a:r>
+              <a:rPr lang="en-US" sz="2900" dirty="0">
+                <a:latin typeface="Calibri" panose="020F0502020204030204" pitchFamily="34" charset="0"/>
+                <a:cs typeface="Calibri" panose="020F0502020204030204" pitchFamily="34" charset="0"/>
+              </a:rPr>
+              <a:t>  Is USA Healthcare Technology Intensive?</a:t>
+            </a:r>
+          </a:p>
+          <a:p>
+            <a:pPr lvl="1">
+              <a:lnSpc>
+                <a:spcPct val="170000"/>
+              </a:lnSpc>
+              <a:buFont typeface="Wingdings" panose="05000000000000000000" pitchFamily="2" charset="2"/>
+              <a:buChar char="Ø"/>
+            </a:pPr>
+            <a:r>
+              <a:rPr lang="en-US" sz="2900" dirty="0">
+                <a:latin typeface="Calibri" panose="020F0502020204030204" pitchFamily="34" charset="0"/>
+                <a:cs typeface="Calibri" panose="020F0502020204030204" pitchFamily="34" charset="0"/>
+              </a:rPr>
+              <a:t>  Is the  USA Healthcare  Best In Quality?</a:t>
+            </a:r>
+          </a:p>
+          <a:p>
+            <a:pPr lvl="1">
+              <a:lnSpc>
+                <a:spcPct val="170000"/>
+              </a:lnSpc>
+              <a:buFont typeface="Wingdings" panose="05000000000000000000" pitchFamily="2" charset="2"/>
+              <a:buChar char="Ø"/>
+            </a:pPr>
+            <a:r>
+              <a:rPr lang="en-US" sz="2900" dirty="0">
+                <a:latin typeface="Calibri" panose="020F0502020204030204" pitchFamily="34" charset="0"/>
+                <a:cs typeface="Calibri" panose="020F0502020204030204" pitchFamily="34" charset="0"/>
+              </a:rPr>
+              <a:t> Are  USA Healthcare Providers Charging High Prices?</a:t>
+            </a:r>
+          </a:p>
+          <a:p>
+            <a:pPr lvl="8"/>
+            <a:endParaRPr lang="en-US" sz="2000" dirty="0"/>
+          </a:p>
+          <a:p>
+            <a:pPr marL="0" lvl="8" indent="0">
+              <a:buNone/>
+            </a:pPr>
+            <a:r>
+              <a:rPr lang="en-US" sz="2000" dirty="0"/>
+              <a:t> </a:t>
+            </a:r>
+          </a:p>
+          <a:p>
+            <a:pPr marL="0" lvl="8" indent="0">
+              <a:buNone/>
+            </a:pPr>
+            <a:r>
+              <a:rPr lang="en-US" sz="2000" dirty="0"/>
+              <a:t>Now Let’s Move to the App.</a:t>
+            </a:r>
+          </a:p>
+          <a:p>
+            <a:endParaRPr lang="en-US" sz="2000" dirty="0"/>
+          </a:p>
+          <a:p>
+            <a:pPr marL="0" indent="0" algn="ctr">
+              <a:buNone/>
+            </a:pPr>
+            <a:endParaRPr lang="en-US" sz="2000" b="1" dirty="0"/>
+          </a:p>
+          <a:p>
+            <a:pPr marL="3657600" lvl="8" indent="0">
+              <a:buNone/>
+            </a:pPr>
+            <a:endParaRPr lang="en-US" sz="2000" dirty="0"/>
+          </a:p>
+          <a:p>
+            <a:endParaRPr lang="en-US" sz="2000" dirty="0"/>
+          </a:p>
+        </p:txBody>
+      </p:sp>
+      <p:sp>
+        <p:nvSpPr>
+          <p:cNvPr id="4" name="Arrow: Right 3">
+            <a:extLst>
+              <a:ext uri="{FF2B5EF4-FFF2-40B4-BE49-F238E27FC236}">
+                <a16:creationId xmlns:a16="http://schemas.microsoft.com/office/drawing/2014/main" id="{9B650CD0-F7E1-4453-AF84-48069F2C9333}"/>
+              </a:ext>
+            </a:extLst>
+          </p:cNvPr>
+          <p:cNvSpPr/>
+          <p:nvPr/>
+        </p:nvSpPr>
+        <p:spPr>
+          <a:xfrm>
+            <a:off x="4302419" y="6021098"/>
+            <a:ext cx="978408" cy="484632"/>
+          </a:xfrm>
+          <a:prstGeom prst="rightArrow">
+            <a:avLst/>
+          </a:prstGeom>
+        </p:spPr>
+        <p:style>
+          <a:lnRef idx="2">
+            <a:schemeClr val="accent1">
+              <a:shade val="50000"/>
+            </a:schemeClr>
+          </a:lnRef>
+          <a:fillRef idx="1">
+            <a:schemeClr val="accent1"/>
+          </a:fillRef>
+          <a:effectRef idx="0">
+            <a:schemeClr val="accent1"/>
+          </a:effectRef>
+          <a:fontRef idx="minor">
+            <a:schemeClr val="lt1"/>
+          </a:fontRef>
+        </p:style>
+        <p:txBody>
+          <a:bodyPr rtlCol="0" anchor="ctr"/>
+          <a:lstStyle/>
+          <a:p>
+            <a:pPr algn="ctr"/>
+            <a:endParaRPr lang="en-US"/>
+          </a:p>
+        </p:txBody>
+      </p:sp>
+    </p:spTree>
+    <p:extLst>
+      <p:ext uri="{BB962C8B-B14F-4D97-AF65-F5344CB8AC3E}">
+        <p14:creationId xmlns:p14="http://schemas.microsoft.com/office/powerpoint/2010/main" val="17198071"/>
+      </p:ext>
+    </p:extLst>
+  </p:cSld>
+  <p:clrMapOvr>
+    <a:masterClrMapping/>
+  </p:clrMapOvr>
+</p:sld>
+</file>
+
+<file path=ppt/slides/slide6.xml><?xml version="1.0" encoding="utf-8"?>
+<p:sld xmlns:a="http://schemas.openxmlformats.org/drawingml/2006/main" xmlns:r="http://schemas.openxmlformats.org/officeDocument/2006/relationships" xmlns:p="http://schemas.openxmlformats.org/presentationml/2006/main">
+  <p:cSld>
+    <p:spTree>
+      <p:nvGrpSpPr>
+        <p:cNvPr id="1" name=""/>
+        <p:cNvGrpSpPr/>
+        <p:nvPr/>
+      </p:nvGrpSpPr>
+      <p:grpSpPr>
+        <a:xfrm>
+          <a:off x="0" y="0"/>
+          <a:ext cx="0" cy="0"/>
+          <a:chOff x="0" y="0"/>
+          <a:chExt cx="0" cy="0"/>
+        </a:xfrm>
+      </p:grpSpPr>
+      <p:sp>
+        <p:nvSpPr>
+          <p:cNvPr id="2" name="Title 1">
+            <a:extLst>
+              <a:ext uri="{FF2B5EF4-FFF2-40B4-BE49-F238E27FC236}">
+                <a16:creationId xmlns:a16="http://schemas.microsoft.com/office/drawing/2014/main" id="{87FE202C-ADA7-48CC-9039-AF07287B7FA4}"/>
+              </a:ext>
+            </a:extLst>
+          </p:cNvPr>
+          <p:cNvSpPr>
+            <a:spLocks noGrp="1"/>
+          </p:cNvSpPr>
+          <p:nvPr>
+            <p:ph type="title"/>
+          </p:nvPr>
+        </p:nvSpPr>
+        <p:spPr/>
+        <p:txBody>
+          <a:bodyPr/>
+          <a:lstStyle/>
+          <a:p>
+            <a:r>
+              <a:rPr lang="en-US" b="1" dirty="0"/>
               <a:t>              Conclusion </a:t>
             </a:r>
             <a:endParaRPr lang="en-US" dirty="0"/>
@@ -14051,7 +14269,7 @@
             </a:pPr>
             <a:r>
               <a:rPr lang="en-US" dirty="0"/>
-              <a:t> USA Healthcare Doesn’t Look Best in Quality, Except in Cancer Treatment.</a:t>
+              <a:t> USA Healthcare Doesn’t Look Best in Quality, Except efficient in waiting time.</a:t>
             </a:r>
           </a:p>
           <a:p>
